--- a/delhihacks.pptx
+++ b/delhihacks.pptx
@@ -8,8 +8,9 @@
     <p:sldId id="256" r:id="rId2"/>
     <p:sldId id="262" r:id="rId3"/>
     <p:sldId id="268" r:id="rId4"/>
-    <p:sldId id="266" r:id="rId5"/>
-    <p:sldId id="269" r:id="rId6"/>
+    <p:sldId id="270" r:id="rId5"/>
+    <p:sldId id="266" r:id="rId6"/>
+    <p:sldId id="269" r:id="rId7"/>
   </p:sldIdLst>
   <p:sldSz cx="12192000" cy="6858000"/>
   <p:notesSz cx="6858000" cy="9144000"/>
@@ -8389,83 +8390,130 @@
                 <a:latin typeface="Calibri" pitchFamily="34" charset="0"/>
                 <a:cs typeface="Calibri" pitchFamily="34" charset="0"/>
               </a:rPr>
-              <a:t>Many a times there are areas with less parking space available but there are  many houses around the place. Usually these houses have no parking sign even when they are vacant. We provide an option to such people to rent their parking space on an hourly basis. This provides extra income to the house owners and also solves the problem of parking at the same time.</a:t>
-            </a:r>
-          </a:p>
-          <a:p>
-            <a:pPr>
-              <a:buNone/>
-            </a:pPr>
+              <a:t>Many a times there are areas with less parking space available but there are  many houses around the place. Usually these houses have no parking sign even when they are vacant. We provide an option to such people to rent their parking space on an hourly basis. This provides extra income to the house owners and also solves the problem of parking at the same time</a:t>
+            </a:r>
+            <a:r>
+              <a:rPr lang="en-US" dirty="0" smtClean="0">
+                <a:latin typeface="Calibri" pitchFamily="34" charset="0"/>
+                <a:cs typeface="Calibri" pitchFamily="34" charset="0"/>
+              </a:rPr>
+              <a:t>.</a:t>
+            </a:r>
+          </a:p>
+          <a:p>
+            <a:r>
+              <a:rPr lang="en-US" dirty="0" smtClean="0">
+                <a:latin typeface="Calibri" pitchFamily="34" charset="0"/>
+                <a:cs typeface="Calibri" pitchFamily="34" charset="0"/>
+              </a:rPr>
+              <a:t>Users can reserve a parking spot with </a:t>
+            </a:r>
+            <a:r>
+              <a:rPr lang="en-US" dirty="0" smtClean="0">
+                <a:latin typeface="Calibri" pitchFamily="34" charset="0"/>
+                <a:cs typeface="Calibri" pitchFamily="34" charset="0"/>
+              </a:rPr>
+              <a:t>their priority </a:t>
+            </a:r>
+            <a:r>
+              <a:rPr lang="en-US" dirty="0" smtClean="0">
+                <a:latin typeface="Calibri" pitchFamily="34" charset="0"/>
+                <a:cs typeface="Calibri" pitchFamily="34" charset="0"/>
+              </a:rPr>
+              <a:t>timings and providing </a:t>
+            </a:r>
+            <a:r>
+              <a:rPr lang="en-US" dirty="0" smtClean="0">
+                <a:latin typeface="Calibri" pitchFamily="34" charset="0"/>
+                <a:cs typeface="Calibri" pitchFamily="34" charset="0"/>
+              </a:rPr>
+              <a:t>vehicle registration number. Application </a:t>
+            </a:r>
+            <a:r>
+              <a:rPr lang="en-US" dirty="0" smtClean="0">
+                <a:latin typeface="Calibri" pitchFamily="34" charset="0"/>
+                <a:cs typeface="Calibri" pitchFamily="34" charset="0"/>
+              </a:rPr>
+              <a:t>triggers an email </a:t>
+            </a:r>
+            <a:r>
+              <a:rPr lang="en-US" dirty="0" smtClean="0">
+                <a:latin typeface="Calibri" pitchFamily="34" charset="0"/>
+                <a:cs typeface="Calibri" pitchFamily="34" charset="0"/>
+              </a:rPr>
+              <a:t>notification to </a:t>
+            </a:r>
+            <a:r>
+              <a:rPr lang="en-US" dirty="0" smtClean="0">
+                <a:latin typeface="Calibri" pitchFamily="34" charset="0"/>
+                <a:cs typeface="Calibri" pitchFamily="34" charset="0"/>
+              </a:rPr>
+              <a:t>user on </a:t>
+            </a:r>
+            <a:r>
+              <a:rPr lang="en-US" dirty="0" smtClean="0">
+                <a:latin typeface="Calibri" pitchFamily="34" charset="0"/>
+                <a:cs typeface="Calibri" pitchFamily="34" charset="0"/>
+              </a:rPr>
+              <a:t>successful registration. We </a:t>
+            </a:r>
+            <a:r>
+              <a:rPr lang="en-US" dirty="0" smtClean="0">
+                <a:latin typeface="Calibri" pitchFamily="34" charset="0"/>
+                <a:cs typeface="Calibri" pitchFamily="34" charset="0"/>
+              </a:rPr>
+              <a:t>also need some money for exploration i.e. to find the parking </a:t>
+            </a:r>
+            <a:r>
+              <a:rPr lang="en-US" dirty="0" smtClean="0">
+                <a:latin typeface="Calibri" pitchFamily="34" charset="0"/>
+                <a:cs typeface="Calibri" pitchFamily="34" charset="0"/>
+              </a:rPr>
+              <a:t>spaces available </a:t>
+            </a:r>
+            <a:r>
+              <a:rPr lang="en-US" dirty="0" smtClean="0">
+                <a:latin typeface="Calibri" pitchFamily="34" charset="0"/>
+                <a:cs typeface="Calibri" pitchFamily="34" charset="0"/>
+              </a:rPr>
+              <a:t>by contacting the people who rent those spaces and including </a:t>
+            </a:r>
+            <a:r>
+              <a:rPr lang="en-US" dirty="0" smtClean="0">
+                <a:latin typeface="Calibri" pitchFamily="34" charset="0"/>
+                <a:cs typeface="Calibri" pitchFamily="34" charset="0"/>
+              </a:rPr>
+              <a:t>those spaces </a:t>
+            </a:r>
+            <a:r>
+              <a:rPr lang="en-US" dirty="0" smtClean="0">
+                <a:latin typeface="Calibri" pitchFamily="34" charset="0"/>
+                <a:cs typeface="Calibri" pitchFamily="34" charset="0"/>
+              </a:rPr>
+              <a:t>into our </a:t>
+            </a:r>
+            <a:r>
+              <a:rPr lang="en-US" dirty="0" smtClean="0">
+                <a:latin typeface="Calibri" pitchFamily="34" charset="0"/>
+                <a:cs typeface="Calibri" pitchFamily="34" charset="0"/>
+              </a:rPr>
+              <a:t>database.</a:t>
+            </a:r>
             <a:endParaRPr lang="en-US" dirty="0" smtClean="0">
               <a:latin typeface="Calibri" pitchFamily="34" charset="0"/>
               <a:cs typeface="Calibri" pitchFamily="34" charset="0"/>
             </a:endParaRPr>
           </a:p>
           <a:p>
-            <a:r>
-              <a:rPr lang="en-IN" b="1" dirty="0" smtClean="0">
-                <a:latin typeface="Calibri" pitchFamily="34" charset="0"/>
-                <a:cs typeface="Calibri" pitchFamily="34" charset="0"/>
-              </a:rPr>
-              <a:t>TECH STACK USED</a:t>
-            </a:r>
-          </a:p>
-          <a:p>
-            <a:pPr>
-              <a:buFont typeface="+mj-lt"/>
-              <a:buAutoNum type="arabicPeriod"/>
-            </a:pPr>
-            <a:r>
-              <a:rPr lang="en-IN" dirty="0" smtClean="0">
-                <a:latin typeface="Calibri" pitchFamily="34" charset="0"/>
-                <a:cs typeface="Calibri" pitchFamily="34" charset="0"/>
-              </a:rPr>
-              <a:t>HTML/CSS</a:t>
-            </a:r>
-          </a:p>
-          <a:p>
-            <a:pPr>
-              <a:buFont typeface="+mj-lt"/>
-              <a:buAutoNum type="arabicPeriod"/>
-            </a:pPr>
-            <a:r>
-              <a:rPr lang="en-IN" dirty="0" smtClean="0">
-                <a:latin typeface="Calibri" pitchFamily="34" charset="0"/>
-                <a:cs typeface="Calibri" pitchFamily="34" charset="0"/>
-              </a:rPr>
-              <a:t> </a:t>
-            </a:r>
-            <a:r>
-              <a:rPr lang="en-IN" dirty="0" err="1" smtClean="0">
-                <a:latin typeface="Calibri" pitchFamily="34" charset="0"/>
-                <a:cs typeface="Calibri" pitchFamily="34" charset="0"/>
-              </a:rPr>
-              <a:t>Javascript</a:t>
-            </a:r>
-            <a:endParaRPr lang="en-IN" dirty="0" smtClean="0">
+            <a:endParaRPr lang="en-US" dirty="0" smtClean="0">
               <a:latin typeface="Calibri" pitchFamily="34" charset="0"/>
               <a:cs typeface="Calibri" pitchFamily="34" charset="0"/>
             </a:endParaRPr>
           </a:p>
           <a:p>
             <a:pPr>
-              <a:buFont typeface="+mj-lt"/>
-              <a:buAutoNum type="arabicPeriod"/>
+              <a:buNone/>
             </a:pPr>
-            <a:r>
-              <a:rPr lang="en-IN" smtClean="0">
-                <a:latin typeface="Calibri" pitchFamily="34" charset="0"/>
-                <a:cs typeface="Calibri" pitchFamily="34" charset="0"/>
-              </a:rPr>
-              <a:t> </a:t>
-            </a:r>
-            <a:r>
-              <a:rPr lang="en-IN" dirty="0" smtClean="0">
-                <a:latin typeface="Calibri" pitchFamily="34" charset="0"/>
-                <a:cs typeface="Calibri" pitchFamily="34" charset="0"/>
-              </a:rPr>
-              <a:t>Bootstrap</a:t>
-            </a:r>
             <a:endParaRPr lang="en-US" dirty="0" smtClean="0">
               <a:latin typeface="Calibri" pitchFamily="34" charset="0"/>
               <a:cs typeface="Calibri" pitchFamily="34" charset="0"/>
@@ -8501,6 +8549,488 @@
 </file>
 
 <file path=ppt/slides/slide4.xml><?xml version="1.0" encoding="utf-8"?>
+<p:sld xmlns:a="http://schemas.openxmlformats.org/drawingml/2006/main" xmlns:r="http://schemas.openxmlformats.org/officeDocument/2006/relationships" xmlns:p="http://schemas.openxmlformats.org/presentationml/2006/main">
+  <p:cSld>
+    <p:spTree>
+      <p:nvGrpSpPr>
+        <p:cNvPr id="1" name=""/>
+        <p:cNvGrpSpPr/>
+        <p:nvPr/>
+      </p:nvGrpSpPr>
+      <p:grpSpPr>
+        <a:xfrm>
+          <a:off x="0" y="0"/>
+          <a:ext cx="0" cy="0"/>
+          <a:chOff x="0" y="0"/>
+          <a:chExt cx="0" cy="0"/>
+        </a:xfrm>
+      </p:grpSpPr>
+      <p:sp>
+        <p:nvSpPr>
+          <p:cNvPr id="2" name="Title 1"/>
+          <p:cNvSpPr>
+            <a:spLocks noGrp="1"/>
+          </p:cNvSpPr>
+          <p:nvPr>
+            <p:ph type="title"/>
+          </p:nvPr>
+        </p:nvSpPr>
+        <p:spPr>
+          <a:xfrm>
+            <a:off x="1645920" y="622663"/>
+            <a:ext cx="7993841" cy="866503"/>
+          </a:xfrm>
+        </p:spPr>
+        <p:txBody>
+          <a:bodyPr>
+            <a:normAutofit/>
+          </a:bodyPr>
+          <a:lstStyle/>
+          <a:p>
+            <a:r>
+              <a:rPr lang="en-IN" sz="3200" b="1" dirty="0" smtClean="0">
+                <a:latin typeface="Bahnschrift SemiBold SemiConden" pitchFamily="34" charset="0"/>
+              </a:rPr>
+              <a:t>OUR WORK</a:t>
+            </a:r>
+            <a:endParaRPr lang="en-US" sz="3200" b="1" dirty="0">
+              <a:latin typeface="Bahnschrift SemiBold SemiConden" pitchFamily="34" charset="0"/>
+            </a:endParaRPr>
+          </a:p>
+        </p:txBody>
+      </p:sp>
+      <p:sp>
+        <p:nvSpPr>
+          <p:cNvPr id="3" name="Content Placeholder 2"/>
+          <p:cNvSpPr>
+            <a:spLocks noGrp="1"/>
+          </p:cNvSpPr>
+          <p:nvPr>
+            <p:ph idx="1"/>
+          </p:nvPr>
+        </p:nvSpPr>
+        <p:spPr>
+          <a:xfrm>
+            <a:off x="1619794" y="1502229"/>
+            <a:ext cx="9261566" cy="4539133"/>
+          </a:xfrm>
+        </p:spPr>
+        <p:txBody>
+          <a:bodyPr>
+            <a:normAutofit fontScale="92500" lnSpcReduction="10000"/>
+          </a:bodyPr>
+          <a:lstStyle/>
+          <a:p>
+            <a:r>
+              <a:rPr lang="en-US" dirty="0" smtClean="0">
+                <a:latin typeface="Calibri" pitchFamily="34" charset="0"/>
+                <a:cs typeface="Calibri" pitchFamily="34" charset="0"/>
+              </a:rPr>
+              <a:t>We have started with building a parking reservation system named as </a:t>
+            </a:r>
+            <a:r>
+              <a:rPr lang="en-US" dirty="0" err="1" smtClean="0">
+                <a:latin typeface="Calibri" pitchFamily="34" charset="0"/>
+                <a:cs typeface="Calibri" pitchFamily="34" charset="0"/>
+              </a:rPr>
+              <a:t>ParkOnSpot</a:t>
+            </a:r>
+            <a:r>
+              <a:rPr lang="en-US" dirty="0" smtClean="0">
+                <a:latin typeface="Calibri" pitchFamily="34" charset="0"/>
+                <a:cs typeface="Calibri" pitchFamily="34" charset="0"/>
+              </a:rPr>
+              <a:t> in which </a:t>
+            </a:r>
+            <a:r>
+              <a:rPr lang="en-US" dirty="0" smtClean="0">
+                <a:latin typeface="Calibri" pitchFamily="34" charset="0"/>
+                <a:cs typeface="Calibri" pitchFamily="34" charset="0"/>
+              </a:rPr>
+              <a:t>we have </a:t>
+            </a:r>
+            <a:r>
+              <a:rPr lang="en-US" dirty="0" smtClean="0">
+                <a:latin typeface="Calibri" pitchFamily="34" charset="0"/>
+                <a:cs typeface="Calibri" pitchFamily="34" charset="0"/>
+              </a:rPr>
+              <a:t>included the details about booking a parking spot from home in this busy scenario and </a:t>
+            </a:r>
+            <a:r>
+              <a:rPr lang="en-US" dirty="0" smtClean="0">
+                <a:latin typeface="Calibri" pitchFamily="34" charset="0"/>
+                <a:cs typeface="Calibri" pitchFamily="34" charset="0"/>
+              </a:rPr>
+              <a:t>to keep </a:t>
+            </a:r>
+            <a:r>
+              <a:rPr lang="en-US" dirty="0" smtClean="0">
+                <a:latin typeface="Calibri" pitchFamily="34" charset="0"/>
+                <a:cs typeface="Calibri" pitchFamily="34" charset="0"/>
+              </a:rPr>
+              <a:t>a </a:t>
+            </a:r>
+            <a:r>
+              <a:rPr lang="en-US" dirty="0" smtClean="0">
+                <a:latin typeface="Calibri" pitchFamily="34" charset="0"/>
+                <a:cs typeface="Calibri" pitchFamily="34" charset="0"/>
+              </a:rPr>
+              <a:t>person away </a:t>
+            </a:r>
+            <a:r>
+              <a:rPr lang="en-US" dirty="0" smtClean="0">
+                <a:latin typeface="Calibri" pitchFamily="34" charset="0"/>
+                <a:cs typeface="Calibri" pitchFamily="34" charset="0"/>
+              </a:rPr>
+              <a:t>from the danger of covid-19 in the hustle bustle of the city. First we started building </a:t>
+            </a:r>
+            <a:r>
+              <a:rPr lang="en-US" dirty="0" smtClean="0">
+                <a:latin typeface="Calibri" pitchFamily="34" charset="0"/>
+                <a:cs typeface="Calibri" pitchFamily="34" charset="0"/>
+              </a:rPr>
+              <a:t>with Angular </a:t>
+            </a:r>
+            <a:r>
+              <a:rPr lang="en-US" dirty="0" smtClean="0">
+                <a:latin typeface="Calibri" pitchFamily="34" charset="0"/>
+                <a:cs typeface="Calibri" pitchFamily="34" charset="0"/>
+              </a:rPr>
+              <a:t>and the we switched onto html</a:t>
+            </a:r>
+            <a:r>
+              <a:rPr lang="en-US" dirty="0" smtClean="0">
+                <a:latin typeface="Calibri" pitchFamily="34" charset="0"/>
+                <a:cs typeface="Calibri" pitchFamily="34" charset="0"/>
+              </a:rPr>
+              <a:t>, </a:t>
+            </a:r>
+            <a:r>
+              <a:rPr lang="en-US" dirty="0" err="1" smtClean="0">
+                <a:latin typeface="Calibri" pitchFamily="34" charset="0"/>
+                <a:cs typeface="Calibri" pitchFamily="34" charset="0"/>
+              </a:rPr>
+              <a:t>css</a:t>
+            </a:r>
+            <a:r>
+              <a:rPr lang="en-US" dirty="0" smtClean="0">
+                <a:latin typeface="Calibri" pitchFamily="34" charset="0"/>
+                <a:cs typeface="Calibri" pitchFamily="34" charset="0"/>
+              </a:rPr>
+              <a:t>, </a:t>
+            </a:r>
+            <a:r>
+              <a:rPr lang="en-US" dirty="0" err="1" smtClean="0">
+                <a:latin typeface="Calibri" pitchFamily="34" charset="0"/>
+                <a:cs typeface="Calibri" pitchFamily="34" charset="0"/>
+              </a:rPr>
+              <a:t>javascript</a:t>
+            </a:r>
+            <a:r>
+              <a:rPr lang="en-US" dirty="0" smtClean="0">
+                <a:latin typeface="Calibri" pitchFamily="34" charset="0"/>
+                <a:cs typeface="Calibri" pitchFamily="34" charset="0"/>
+              </a:rPr>
+              <a:t> </a:t>
+            </a:r>
+            <a:r>
+              <a:rPr lang="en-US" dirty="0" smtClean="0">
+                <a:latin typeface="Calibri" pitchFamily="34" charset="0"/>
+                <a:cs typeface="Calibri" pitchFamily="34" charset="0"/>
+              </a:rPr>
+              <a:t>as most of us </a:t>
+            </a:r>
+            <a:r>
+              <a:rPr lang="en-US" dirty="0" smtClean="0">
+                <a:latin typeface="Calibri" pitchFamily="34" charset="0"/>
+                <a:cs typeface="Calibri" pitchFamily="34" charset="0"/>
+              </a:rPr>
+              <a:t>were </a:t>
+            </a:r>
+            <a:r>
+              <a:rPr lang="en-US" dirty="0" smtClean="0">
+                <a:latin typeface="Calibri" pitchFamily="34" charset="0"/>
+                <a:cs typeface="Calibri" pitchFamily="34" charset="0"/>
+              </a:rPr>
+              <a:t>inexperienced . So </a:t>
+            </a:r>
+            <a:r>
+              <a:rPr lang="en-US" dirty="0" smtClean="0">
+                <a:latin typeface="Calibri" pitchFamily="34" charset="0"/>
+                <a:cs typeface="Calibri" pitchFamily="34" charset="0"/>
+              </a:rPr>
+              <a:t>we have </a:t>
+            </a:r>
+            <a:r>
+              <a:rPr lang="en-US" dirty="0" smtClean="0">
+                <a:latin typeface="Calibri" pitchFamily="34" charset="0"/>
+                <a:cs typeface="Calibri" pitchFamily="34" charset="0"/>
+              </a:rPr>
+              <a:t>built an </a:t>
+            </a:r>
+            <a:r>
+              <a:rPr lang="en-US" dirty="0" smtClean="0">
+                <a:latin typeface="Calibri" pitchFamily="34" charset="0"/>
+                <a:cs typeface="Calibri" pitchFamily="34" charset="0"/>
+              </a:rPr>
+              <a:t>appealing website </a:t>
+            </a:r>
+            <a:r>
+              <a:rPr lang="en-US" dirty="0" smtClean="0">
+                <a:latin typeface="Calibri" pitchFamily="34" charset="0"/>
+                <a:cs typeface="Calibri" pitchFamily="34" charset="0"/>
+              </a:rPr>
+              <a:t>with a good UI/UX design so as to attract people to </a:t>
+            </a:r>
+            <a:r>
+              <a:rPr lang="en-US" dirty="0" err="1" smtClean="0">
+                <a:latin typeface="Calibri" pitchFamily="34" charset="0"/>
+                <a:cs typeface="Calibri" pitchFamily="34" charset="0"/>
+              </a:rPr>
+              <a:t>ParkOnSpot</a:t>
+            </a:r>
+            <a:r>
+              <a:rPr lang="en-US" dirty="0" smtClean="0">
+                <a:latin typeface="Calibri" pitchFamily="34" charset="0"/>
+                <a:cs typeface="Calibri" pitchFamily="34" charset="0"/>
+              </a:rPr>
+              <a:t> and make them </a:t>
+            </a:r>
+            <a:r>
+              <a:rPr lang="en-US" dirty="0" smtClean="0">
+                <a:latin typeface="Calibri" pitchFamily="34" charset="0"/>
+                <a:cs typeface="Calibri" pitchFamily="34" charset="0"/>
+              </a:rPr>
+              <a:t>believe that's </a:t>
+            </a:r>
+            <a:r>
+              <a:rPr lang="en-US" dirty="0" smtClean="0">
+                <a:latin typeface="Calibri" pitchFamily="34" charset="0"/>
+                <a:cs typeface="Calibri" pitchFamily="34" charset="0"/>
+              </a:rPr>
+              <a:t>its a good choice. After adding the details we also have made them login / signup so as </a:t>
+            </a:r>
+            <a:r>
+              <a:rPr lang="en-US" dirty="0" smtClean="0">
+                <a:latin typeface="Calibri" pitchFamily="34" charset="0"/>
+                <a:cs typeface="Calibri" pitchFamily="34" charset="0"/>
+              </a:rPr>
+              <a:t>to store </a:t>
+            </a:r>
+            <a:r>
+              <a:rPr lang="en-US" dirty="0" smtClean="0">
+                <a:latin typeface="Calibri" pitchFamily="34" charset="0"/>
+                <a:cs typeface="Calibri" pitchFamily="34" charset="0"/>
+              </a:rPr>
+              <a:t>the details of the </a:t>
+            </a:r>
+            <a:r>
+              <a:rPr lang="en-US" dirty="0" smtClean="0">
+                <a:latin typeface="Calibri" pitchFamily="34" charset="0"/>
+                <a:cs typeface="Calibri" pitchFamily="34" charset="0"/>
+              </a:rPr>
+              <a:t>person that </a:t>
+            </a:r>
+            <a:r>
+              <a:rPr lang="en-US" dirty="0" smtClean="0">
+                <a:latin typeface="Calibri" pitchFamily="34" charset="0"/>
+                <a:cs typeface="Calibri" pitchFamily="34" charset="0"/>
+              </a:rPr>
+              <a:t>will make the booking easier. This will make it easier for them to see if the spot is </a:t>
+            </a:r>
+            <a:r>
+              <a:rPr lang="en-US" dirty="0" smtClean="0">
+                <a:latin typeface="Calibri" pitchFamily="34" charset="0"/>
+                <a:cs typeface="Calibri" pitchFamily="34" charset="0"/>
+              </a:rPr>
+              <a:t>already reserved </a:t>
+            </a:r>
+            <a:r>
+              <a:rPr lang="en-US" dirty="0" smtClean="0">
+                <a:latin typeface="Calibri" pitchFamily="34" charset="0"/>
+                <a:cs typeface="Calibri" pitchFamily="34" charset="0"/>
+              </a:rPr>
+              <a:t>or not. Then we will include the payment gateway in future scope so that they can </a:t>
+            </a:r>
+            <a:r>
+              <a:rPr lang="en-US" dirty="0" smtClean="0">
+                <a:latin typeface="Calibri" pitchFamily="34" charset="0"/>
+                <a:cs typeface="Calibri" pitchFamily="34" charset="0"/>
+              </a:rPr>
+              <a:t>pay the </a:t>
+            </a:r>
+            <a:r>
+              <a:rPr lang="en-US" dirty="0" smtClean="0">
+                <a:latin typeface="Calibri" pitchFamily="34" charset="0"/>
+                <a:cs typeface="Calibri" pitchFamily="34" charset="0"/>
+              </a:rPr>
+              <a:t>bills from </a:t>
+            </a:r>
+            <a:r>
+              <a:rPr lang="en-US" dirty="0" smtClean="0">
+                <a:latin typeface="Calibri" pitchFamily="34" charset="0"/>
+                <a:cs typeface="Calibri" pitchFamily="34" charset="0"/>
+              </a:rPr>
+              <a:t>home. At </a:t>
+            </a:r>
+            <a:r>
+              <a:rPr lang="en-US" dirty="0" smtClean="0">
+                <a:latin typeface="Calibri" pitchFamily="34" charset="0"/>
+                <a:cs typeface="Calibri" pitchFamily="34" charset="0"/>
+              </a:rPr>
+              <a:t>last the scope is that an email will be triggered to the person that he/she is </a:t>
+            </a:r>
+            <a:r>
+              <a:rPr lang="en-US" dirty="0" smtClean="0">
+                <a:latin typeface="Calibri" pitchFamily="34" charset="0"/>
+                <a:cs typeface="Calibri" pitchFamily="34" charset="0"/>
+              </a:rPr>
+              <a:t>successfully registered </a:t>
+            </a:r>
+            <a:r>
+              <a:rPr lang="en-US" dirty="0" smtClean="0">
+                <a:latin typeface="Calibri" pitchFamily="34" charset="0"/>
+                <a:cs typeface="Calibri" pitchFamily="34" charset="0"/>
+              </a:rPr>
+              <a:t>. For backend we will use </a:t>
+            </a:r>
+            <a:r>
+              <a:rPr lang="en-US" dirty="0" err="1" smtClean="0">
+                <a:latin typeface="Calibri" pitchFamily="34" charset="0"/>
+                <a:cs typeface="Calibri" pitchFamily="34" charset="0"/>
+              </a:rPr>
+              <a:t>sql</a:t>
+            </a:r>
+            <a:r>
+              <a:rPr lang="en-US" dirty="0" smtClean="0">
+                <a:latin typeface="Calibri" pitchFamily="34" charset="0"/>
+                <a:cs typeface="Calibri" pitchFamily="34" charset="0"/>
+              </a:rPr>
+              <a:t> and </a:t>
+            </a:r>
+            <a:r>
+              <a:rPr lang="en-US" dirty="0" err="1" smtClean="0">
+                <a:latin typeface="Calibri" pitchFamily="34" charset="0"/>
+                <a:cs typeface="Calibri" pitchFamily="34" charset="0"/>
+              </a:rPr>
+              <a:t>nodejs</a:t>
+            </a:r>
+            <a:r>
+              <a:rPr lang="en-US" dirty="0" smtClean="0">
+                <a:latin typeface="Calibri" pitchFamily="34" charset="0"/>
+                <a:cs typeface="Calibri" pitchFamily="34" charset="0"/>
+              </a:rPr>
+              <a:t>.</a:t>
+            </a:r>
+          </a:p>
+          <a:p>
+            <a:pPr>
+              <a:buNone/>
+            </a:pPr>
+            <a:endParaRPr lang="en-IN" b="1" dirty="0" smtClean="0">
+              <a:latin typeface="Calibri" pitchFamily="34" charset="0"/>
+              <a:cs typeface="Calibri" pitchFamily="34" charset="0"/>
+            </a:endParaRPr>
+          </a:p>
+          <a:p>
+            <a:r>
+              <a:rPr lang="en-IN" b="1" dirty="0" smtClean="0">
+                <a:latin typeface="Calibri" pitchFamily="34" charset="0"/>
+                <a:cs typeface="Calibri" pitchFamily="34" charset="0"/>
+              </a:rPr>
+              <a:t>TECH </a:t>
+            </a:r>
+            <a:r>
+              <a:rPr lang="en-IN" b="1" dirty="0" smtClean="0">
+                <a:latin typeface="Calibri" pitchFamily="34" charset="0"/>
+                <a:cs typeface="Calibri" pitchFamily="34" charset="0"/>
+              </a:rPr>
+              <a:t>STACK USED</a:t>
+            </a:r>
+          </a:p>
+          <a:p>
+            <a:pPr>
+              <a:buFont typeface="+mj-lt"/>
+              <a:buAutoNum type="arabicPeriod"/>
+            </a:pPr>
+            <a:r>
+              <a:rPr lang="en-IN" dirty="0" smtClean="0">
+                <a:latin typeface="Calibri" pitchFamily="34" charset="0"/>
+                <a:cs typeface="Calibri" pitchFamily="34" charset="0"/>
+              </a:rPr>
+              <a:t>HTML/CSS</a:t>
+            </a:r>
+          </a:p>
+          <a:p>
+            <a:pPr>
+              <a:buFont typeface="+mj-lt"/>
+              <a:buAutoNum type="arabicPeriod"/>
+            </a:pPr>
+            <a:r>
+              <a:rPr lang="en-IN" dirty="0" smtClean="0">
+                <a:latin typeface="Calibri" pitchFamily="34" charset="0"/>
+                <a:cs typeface="Calibri" pitchFamily="34" charset="0"/>
+              </a:rPr>
+              <a:t> </a:t>
+            </a:r>
+            <a:r>
+              <a:rPr lang="en-IN" dirty="0" err="1" smtClean="0">
+                <a:latin typeface="Calibri" pitchFamily="34" charset="0"/>
+                <a:cs typeface="Calibri" pitchFamily="34" charset="0"/>
+              </a:rPr>
+              <a:t>Javascript</a:t>
+            </a:r>
+            <a:endParaRPr lang="en-IN" dirty="0" smtClean="0">
+              <a:latin typeface="Calibri" pitchFamily="34" charset="0"/>
+              <a:cs typeface="Calibri" pitchFamily="34" charset="0"/>
+            </a:endParaRPr>
+          </a:p>
+          <a:p>
+            <a:pPr>
+              <a:buFont typeface="+mj-lt"/>
+              <a:buAutoNum type="arabicPeriod"/>
+            </a:pPr>
+            <a:r>
+              <a:rPr lang="en-IN" dirty="0" smtClean="0">
+                <a:latin typeface="Calibri" pitchFamily="34" charset="0"/>
+                <a:cs typeface="Calibri" pitchFamily="34" charset="0"/>
+              </a:rPr>
+              <a:t> Bootstrap</a:t>
+            </a:r>
+            <a:endParaRPr lang="en-US" dirty="0" smtClean="0">
+              <a:latin typeface="Calibri" pitchFamily="34" charset="0"/>
+              <a:cs typeface="Calibri" pitchFamily="34" charset="0"/>
+            </a:endParaRPr>
+          </a:p>
+          <a:p>
+            <a:pPr>
+              <a:lnSpc>
+                <a:spcPct val="150000"/>
+              </a:lnSpc>
+            </a:pPr>
+            <a:endParaRPr lang="en-IN" dirty="0">
+              <a:latin typeface="Calibri" pitchFamily="34" charset="0"/>
+              <a:cs typeface="Calibri" pitchFamily="34" charset="0"/>
+            </a:endParaRPr>
+          </a:p>
+        </p:txBody>
+      </p:sp>
+    </p:spTree>
+  </p:cSld>
+  <p:clrMapOvr>
+    <a:masterClrMapping/>
+  </p:clrMapOvr>
+  <p:timing>
+    <p:tnLst>
+      <p:par>
+        <p:cTn id="1" dur="indefinite" restart="never" nodeType="tmRoot"/>
+      </p:par>
+    </p:tnLst>
+  </p:timing>
+</p:sld>
+</file>
+
+<file path=ppt/slides/slide5.xml><?xml version="1.0" encoding="utf-8"?>
 <p:sld xmlns:a="http://schemas.openxmlformats.org/drawingml/2006/main" xmlns:r="http://schemas.openxmlformats.org/officeDocument/2006/relationships" xmlns:p="http://schemas.openxmlformats.org/presentationml/2006/main">
   <p:cSld>
     <p:spTree>
@@ -8956,7 +9486,7 @@
 </p:sld>
 </file>
 
-<file path=ppt/slides/slide5.xml><?xml version="1.0" encoding="utf-8"?>
+<file path=ppt/slides/slide6.xml><?xml version="1.0" encoding="utf-8"?>
 <p:sld xmlns:a="http://schemas.openxmlformats.org/drawingml/2006/main" xmlns:r="http://schemas.openxmlformats.org/officeDocument/2006/relationships" xmlns:p="http://schemas.openxmlformats.org/presentationml/2006/main">
   <p:cSld>
     <p:spTree>
